--- a/Módulo 01 - HTML e CSS/Aula 01 - Aula Inaugural/Aula Inaugural.pptx
+++ b/Módulo 01 - HTML e CSS/Aula 01 - Aula Inaugural/Aula Inaugural.pptx
@@ -237,7 +237,7 @@
           <a:p>
             <a:fld id="{0F28648D-752F-4D9E-8EC2-61293C3E9BC7}" type="datetimeFigureOut">
               <a:rPr lang="pt-BR" smtClean="0"/>
-              <a:t>19/01/2025</a:t>
+              <a:t>03/02/2025</a:t>
             </a:fld>
             <a:endParaRPr lang="pt-BR"/>
           </a:p>
@@ -768,7 +768,7 @@
           <a:p>
             <a:fld id="{CDD55C27-F8C6-4481-8569-CAC50CAE9F1F}" type="datetimeFigureOut">
               <a:rPr lang="pt-BR" smtClean="0"/>
-              <a:t>19/01/2025</a:t>
+              <a:t>03/02/2025</a:t>
             </a:fld>
             <a:endParaRPr lang="pt-BR"/>
           </a:p>
@@ -1258,7 +1258,7 @@
           <a:p>
             <a:fld id="{CDD55C27-F8C6-4481-8569-CAC50CAE9F1F}" type="datetimeFigureOut">
               <a:rPr lang="pt-BR" smtClean="0"/>
-              <a:t>19/01/2025</a:t>
+              <a:t>03/02/2025</a:t>
             </a:fld>
             <a:endParaRPr lang="pt-BR"/>
           </a:p>
@@ -1561,7 +1561,7 @@
           <a:p>
             <a:fld id="{CDD55C27-F8C6-4481-8569-CAC50CAE9F1F}" type="datetimeFigureOut">
               <a:rPr lang="pt-BR" smtClean="0"/>
-              <a:t>19/01/2025</a:t>
+              <a:t>03/02/2025</a:t>
             </a:fld>
             <a:endParaRPr lang="pt-BR"/>
           </a:p>
@@ -2012,7 +2012,7 @@
           <a:p>
             <a:fld id="{CDD55C27-F8C6-4481-8569-CAC50CAE9F1F}" type="datetimeFigureOut">
               <a:rPr lang="pt-BR" smtClean="0"/>
-              <a:t>19/01/2025</a:t>
+              <a:t>03/02/2025</a:t>
             </a:fld>
             <a:endParaRPr lang="pt-BR"/>
           </a:p>
@@ -2185,7 +2185,7 @@
           <a:p>
             <a:fld id="{CDD55C27-F8C6-4481-8569-CAC50CAE9F1F}" type="datetimeFigureOut">
               <a:rPr lang="pt-BR" smtClean="0"/>
-              <a:t>19/01/2025</a:t>
+              <a:t>03/02/2025</a:t>
             </a:fld>
             <a:endParaRPr lang="pt-BR"/>
           </a:p>
@@ -2322,7 +2322,7 @@
           <a:p>
             <a:fld id="{CDD55C27-F8C6-4481-8569-CAC50CAE9F1F}" type="datetimeFigureOut">
               <a:rPr lang="pt-BR" smtClean="0"/>
-              <a:t>19/01/2025</a:t>
+              <a:t>03/02/2025</a:t>
             </a:fld>
             <a:endParaRPr lang="pt-BR"/>
           </a:p>
@@ -2666,7 +2666,7 @@
           <a:p>
             <a:fld id="{CDD55C27-F8C6-4481-8569-CAC50CAE9F1F}" type="datetimeFigureOut">
               <a:rPr lang="pt-BR" smtClean="0"/>
-              <a:t>19/01/2025</a:t>
+              <a:t>03/02/2025</a:t>
             </a:fld>
             <a:endParaRPr lang="pt-BR"/>
           </a:p>
@@ -2987,7 +2987,7 @@
           <a:p>
             <a:fld id="{CDD55C27-F8C6-4481-8569-CAC50CAE9F1F}" type="datetimeFigureOut">
               <a:rPr lang="pt-BR" smtClean="0"/>
-              <a:t>19/01/2025</a:t>
+              <a:t>03/02/2025</a:t>
             </a:fld>
             <a:endParaRPr lang="pt-BR"/>
           </a:p>
@@ -4807,7 +4807,7 @@
                 <a:latin typeface="Times New Roman" panose="02020603050405020304" pitchFamily="18" charset="0"/>
                 <a:cs typeface="Times New Roman" panose="02020603050405020304" pitchFamily="18" charset="0"/>
               </a:rPr>
-              <a:t>Desenvolvo</a:t>
+              <a:t>Programo</a:t>
             </a:r>
             <a:endParaRPr lang="pt-BR" dirty="0">
               <a:latin typeface="Times New Roman" panose="02020603050405020304" pitchFamily="18" charset="0"/>
@@ -5941,7 +5941,7 @@
             </a:r>
           </a:p>
           <a:p>
-            <a:pPr lvl="1"/>
+            <a:pPr marL="1028700" lvl="1" indent="-342900"/>
             <a:r>
               <a:rPr lang="pt-BR" dirty="0">
                 <a:hlinkClick r:id="rId2"/>
@@ -8116,14 +8116,14 @@
             <a:pPr marL="1028700" lvl="1" indent="-342900"/>
             <a:r>
               <a:rPr lang="pt-BR" dirty="0"/>
-              <a:t>HTML – 18h</a:t>
+              <a:t>HTML </a:t>
             </a:r>
           </a:p>
           <a:p>
             <a:pPr marL="1028700" lvl="1" indent="-342900"/>
             <a:r>
               <a:rPr lang="pt-BR" dirty="0"/>
-              <a:t>CSS e Framework - </a:t>
+              <a:t>CSS e Framework </a:t>
             </a:r>
           </a:p>
           <a:p>
@@ -8134,7 +8134,7 @@
             </a:r>
             <a:r>
               <a:rPr lang="pt-BR" dirty="0"/>
-              <a:t> e Framework</a:t>
+              <a:t> </a:t>
             </a:r>
           </a:p>
           <a:p>
@@ -8273,7 +8273,7 @@
             </a:r>
             <a:r>
               <a:rPr lang="pt-BR" dirty="0"/>
-              <a:t> é responsável por criar a interface visual de sites e aplicações web, garantindo que os usuários possam interagir com eles de forma intuitiva e responsiva. Ele transforma designs em código funcional, cuidando da estrutura, estilo e interatividade, tendo como principais características</a:t>
+              <a:t> é responsável por criar a interface visual de sites e aplicações web, garantindo que os usuários possam interagir com eles de forma intuitiva e responsiva. Ele transforma designs em código funcional, cuidando da estrutura, estilo e interatividade, tendo como principais tecnologias:</a:t>
             </a:r>
           </a:p>
           <a:p>
